--- a/Projet Smartpatate.pptx
+++ b/Projet Smartpatate.pptx
@@ -6582,15 +6582,7 @@
             </a:r>
             <a:r>
               <a:rPr lang="fr-FR" dirty="0"/>
-              <a:t> nous pouvons </a:t>
-            </a:r>
-            <a:r>
-              <a:rPr lang="fr-FR" dirty="0" err="1"/>
-              <a:t>différerles</a:t>
-            </a:r>
-            <a:r>
-              <a:rPr lang="fr-FR" dirty="0"/>
-              <a:t> types d’</a:t>
+              <a:t> nous pouvons différencier les types d’</a:t>
             </a:r>
             <a:r>
               <a:rPr lang="fr-FR" dirty="0" err="1"/>
@@ -6598,11 +6590,7 @@
             </a:r>
             <a:r>
               <a:rPr lang="fr-FR" dirty="0"/>
-              <a:t> avec </a:t>
-            </a:r>
-            <a:r>
-              <a:rPr lang="fr-FR"/>
-              <a:t>la patate</a:t>
+              <a:t> avec la patate</a:t>
             </a:r>
           </a:p>
         </p:txBody>

--- a/Projet Smartpatate.pptx
+++ b/Projet Smartpatate.pptx
@@ -5325,7 +5325,7 @@
         </p:nvSpPr>
         <p:spPr>
           <a:xfrm>
-            <a:off x="5802284" y="591295"/>
+            <a:off x="5802284" y="577648"/>
             <a:ext cx="5453149" cy="369332"/>
           </a:xfrm>
           <a:prstGeom prst="rect">
@@ -5354,29 +5354,16 @@
           <a:p>
             <a:r>
               <a:rPr lang="fr-FR" dirty="0"/>
-              <a:t>Visualisation de la carte </a:t>
-            </a:r>
-            <a:r>
-              <a:rPr lang="fr-FR" dirty="0" err="1"/>
-              <a:t>Arduino</a:t>
-            </a:r>
-            <a:r>
-              <a:rPr lang="fr-FR" dirty="0"/>
-              <a:t> sur </a:t>
-            </a:r>
-            <a:r>
-              <a:rPr lang="fr-FR" dirty="0" err="1"/>
-              <a:t>fritzing</a:t>
-            </a:r>
-            <a:endParaRPr lang="fr-FR" dirty="0"/>
+              <a:t>Visualisation de l’oscilloscope </a:t>
+            </a:r>
           </a:p>
         </p:txBody>
       </p:sp>
       <p:pic>
         <p:nvPicPr>
-          <p:cNvPr id="2050" name="Picture 2" descr="https://lh3.googleusercontent.com/e-CH2TACmEvbIhIdPvl9SMhg3IASQzhd6eTsevFDTqBvvC8YQM_b4dEu4QMB9bqCWW_BoDUajBDXn7EhLl3neoHTypgyCJ__BtbQCghbMYjQPnwFvslY8lepIdoY9C0PB7oN9IuB"/>
+          <p:cNvPr id="3" name="Image 2"/>
           <p:cNvPicPr>
-            <a:picLocks noChangeAspect="1" noChangeArrowheads="1"/>
+            <a:picLocks noChangeAspect="1"/>
           </p:cNvPicPr>
           <p:nvPr/>
         </p:nvPicPr>
@@ -5388,29 +5375,18 @@
               </a:ext>
             </a:extLst>
           </a:blip>
-          <a:srcRect/>
           <a:stretch>
             <a:fillRect/>
           </a:stretch>
         </p:blipFill>
-        <p:spPr bwMode="auto">
+        <p:spPr>
           <a:xfrm>
-            <a:off x="5802284" y="1330080"/>
-            <a:ext cx="5382916" cy="4300967"/>
+            <a:off x="5802284" y="1268257"/>
+            <a:ext cx="5702075" cy="4456722"/>
           </a:xfrm>
           <a:prstGeom prst="rect">
             <a:avLst/>
           </a:prstGeom>
-          <a:noFill/>
-          <a:extLst>
-            <a:ext uri="{909E8E84-426E-40DD-AFC4-6F175D3DCCD1}">
-              <a14:hiddenFill xmlns:a14="http://schemas.microsoft.com/office/drawing/2010/main">
-                <a:solidFill>
-                  <a:srgbClr val="FFFFFF"/>
-                </a:solidFill>
-              </a14:hiddenFill>
-            </a:ext>
-          </a:extLst>
         </p:spPr>
       </p:pic>
     </p:spTree>
@@ -5713,59 +5689,15 @@
                                   </p:childTnLst>
                                 </p:cTn>
                               </p:par>
-                            </p:childTnLst>
-                          </p:cTn>
-                        </p:par>
-                        <p:par>
-                          <p:cTn id="28" fill="hold">
-                            <p:stCondLst>
-                              <p:cond delay="500"/>
-                            </p:stCondLst>
-                            <p:childTnLst>
                               <p:par>
-                                <p:cTn id="29" presetID="10" presetClass="entr" presetSubtype="0" fill="hold" nodeType="afterEffect">
+                                <p:cTn id="28" presetID="10" presetClass="entr" presetSubtype="0" fill="hold" grpId="0" nodeType="withEffect">
                                   <p:stCondLst>
                                     <p:cond delay="0"/>
                                   </p:stCondLst>
                                   <p:childTnLst>
                                     <p:set>
                                       <p:cBhvr>
-                                        <p:cTn id="30" dur="1" fill="hold">
-                                          <p:stCondLst>
-                                            <p:cond delay="0"/>
-                                          </p:stCondLst>
-                                        </p:cTn>
-                                        <p:tgtEl>
-                                          <p:spTgt spid="2050"/>
-                                        </p:tgtEl>
-                                        <p:attrNameLst>
-                                          <p:attrName>style.visibility</p:attrName>
-                                        </p:attrNameLst>
-                                      </p:cBhvr>
-                                      <p:to>
-                                        <p:strVal val="visible"/>
-                                      </p:to>
-                                    </p:set>
-                                    <p:animEffect transition="in" filter="fade">
-                                      <p:cBhvr>
-                                        <p:cTn id="31" dur="500"/>
-                                        <p:tgtEl>
-                                          <p:spTgt spid="2050"/>
-                                        </p:tgtEl>
-                                      </p:cBhvr>
-                                    </p:animEffect>
-                                  </p:childTnLst>
-                                </p:cTn>
-                              </p:par>
-                              <p:par>
-                                <p:cTn id="32" presetID="10" presetClass="entr" presetSubtype="0" fill="hold" grpId="0" nodeType="withEffect">
-                                  <p:stCondLst>
-                                    <p:cond delay="0"/>
-                                  </p:stCondLst>
-                                  <p:childTnLst>
-                                    <p:set>
-                                      <p:cBhvr>
-                                        <p:cTn id="33" dur="1" fill="hold">
+                                        <p:cTn id="29" dur="1" fill="hold">
                                           <p:stCondLst>
                                             <p:cond delay="0"/>
                                           </p:stCondLst>
@@ -5783,9 +5715,44 @@
                                     </p:set>
                                     <p:animEffect transition="in" filter="fade">
                                       <p:cBhvr>
-                                        <p:cTn id="34" dur="500"/>
+                                        <p:cTn id="30" dur="500"/>
                                         <p:tgtEl>
                                           <p:spTgt spid="10"/>
+                                        </p:tgtEl>
+                                      </p:cBhvr>
+                                    </p:animEffect>
+                                  </p:childTnLst>
+                                </p:cTn>
+                              </p:par>
+                              <p:par>
+                                <p:cTn id="31" presetID="10" presetClass="entr" presetSubtype="0" fill="hold" nodeType="withEffect">
+                                  <p:stCondLst>
+                                    <p:cond delay="0"/>
+                                  </p:stCondLst>
+                                  <p:childTnLst>
+                                    <p:set>
+                                      <p:cBhvr>
+                                        <p:cTn id="32" dur="1" fill="hold">
+                                          <p:stCondLst>
+                                            <p:cond delay="0"/>
+                                          </p:stCondLst>
+                                        </p:cTn>
+                                        <p:tgtEl>
+                                          <p:spTgt spid="3"/>
+                                        </p:tgtEl>
+                                        <p:attrNameLst>
+                                          <p:attrName>style.visibility</p:attrName>
+                                        </p:attrNameLst>
+                                      </p:cBhvr>
+                                      <p:to>
+                                        <p:strVal val="visible"/>
+                                      </p:to>
+                                    </p:set>
+                                    <p:animEffect transition="in" filter="fade">
+                                      <p:cBhvr>
+                                        <p:cTn id="33" dur="500"/>
+                                        <p:tgtEl>
+                                          <p:spTgt spid="3"/>
                                         </p:tgtEl>
                                       </p:cBhvr>
                                     </p:animEffect>
